--- a/NRSC 7657 Brief Matlab Overview.pptx
+++ b/NRSC 7657 Brief Matlab Overview.pptx
@@ -9,6 +9,7 @@
     <p:sldId id="258" r:id="rId3"/>
     <p:sldId id="259" r:id="rId4"/>
     <p:sldId id="260" r:id="rId5"/>
+    <p:sldId id="261" r:id="rId6"/>
   </p:sldIdLst>
   <p:sldSz cx="12192000" cy="6858000"/>
   <p:notesSz cx="6858000" cy="9144000"/>
@@ -107,6 +108,11 @@
       </a:defRPr>
     </a:lvl9pPr>
   </p:defaultTextStyle>
+  <p:extLst>
+    <p:ext uri="{EFAFB233-063F-42B5-8137-9DF3F51BA10A}">
+      <p15:sldGuideLst xmlns:p15="http://schemas.microsoft.com/office/powerpoint/2012/main"/>
+    </p:ext>
+  </p:extLst>
 </p:presentation>
 </file>
 
@@ -257,7 +263,7 @@
           <a:p>
             <a:fld id="{9D9A35FA-CCDF-4DC3-878D-D1CC9EF61817}" type="datetimeFigureOut">
               <a:rPr lang="en-US" smtClean="0"/>
-              <a:t>6/10/2021</a:t>
+              <a:t>6/11/2021</a:t>
             </a:fld>
             <a:endParaRPr lang="en-US"/>
           </a:p>
@@ -455,7 +461,7 @@
           <a:p>
             <a:fld id="{9D9A35FA-CCDF-4DC3-878D-D1CC9EF61817}" type="datetimeFigureOut">
               <a:rPr lang="en-US" smtClean="0"/>
-              <a:t>6/10/2021</a:t>
+              <a:t>6/11/2021</a:t>
             </a:fld>
             <a:endParaRPr lang="en-US"/>
           </a:p>
@@ -663,7 +669,7 @@
           <a:p>
             <a:fld id="{9D9A35FA-CCDF-4DC3-878D-D1CC9EF61817}" type="datetimeFigureOut">
               <a:rPr lang="en-US" smtClean="0"/>
-              <a:t>6/10/2021</a:t>
+              <a:t>6/11/2021</a:t>
             </a:fld>
             <a:endParaRPr lang="en-US"/>
           </a:p>
@@ -861,7 +867,7 @@
           <a:p>
             <a:fld id="{9D9A35FA-CCDF-4DC3-878D-D1CC9EF61817}" type="datetimeFigureOut">
               <a:rPr lang="en-US" smtClean="0"/>
-              <a:t>6/10/2021</a:t>
+              <a:t>6/11/2021</a:t>
             </a:fld>
             <a:endParaRPr lang="en-US"/>
           </a:p>
@@ -1136,7 +1142,7 @@
           <a:p>
             <a:fld id="{9D9A35FA-CCDF-4DC3-878D-D1CC9EF61817}" type="datetimeFigureOut">
               <a:rPr lang="en-US" smtClean="0"/>
-              <a:t>6/10/2021</a:t>
+              <a:t>6/11/2021</a:t>
             </a:fld>
             <a:endParaRPr lang="en-US"/>
           </a:p>
@@ -1401,7 +1407,7 @@
           <a:p>
             <a:fld id="{9D9A35FA-CCDF-4DC3-878D-D1CC9EF61817}" type="datetimeFigureOut">
               <a:rPr lang="en-US" smtClean="0"/>
-              <a:t>6/10/2021</a:t>
+              <a:t>6/11/2021</a:t>
             </a:fld>
             <a:endParaRPr lang="en-US"/>
           </a:p>
@@ -1813,7 +1819,7 @@
           <a:p>
             <a:fld id="{9D9A35FA-CCDF-4DC3-878D-D1CC9EF61817}" type="datetimeFigureOut">
               <a:rPr lang="en-US" smtClean="0"/>
-              <a:t>6/10/2021</a:t>
+              <a:t>6/11/2021</a:t>
             </a:fld>
             <a:endParaRPr lang="en-US"/>
           </a:p>
@@ -1954,7 +1960,7 @@
           <a:p>
             <a:fld id="{9D9A35FA-CCDF-4DC3-878D-D1CC9EF61817}" type="datetimeFigureOut">
               <a:rPr lang="en-US" smtClean="0"/>
-              <a:t>6/10/2021</a:t>
+              <a:t>6/11/2021</a:t>
             </a:fld>
             <a:endParaRPr lang="en-US"/>
           </a:p>
@@ -2067,7 +2073,7 @@
           <a:p>
             <a:fld id="{9D9A35FA-CCDF-4DC3-878D-D1CC9EF61817}" type="datetimeFigureOut">
               <a:rPr lang="en-US" smtClean="0"/>
-              <a:t>6/10/2021</a:t>
+              <a:t>6/11/2021</a:t>
             </a:fld>
             <a:endParaRPr lang="en-US"/>
           </a:p>
@@ -2378,7 +2384,7 @@
           <a:p>
             <a:fld id="{9D9A35FA-CCDF-4DC3-878D-D1CC9EF61817}" type="datetimeFigureOut">
               <a:rPr lang="en-US" smtClean="0"/>
-              <a:t>6/10/2021</a:t>
+              <a:t>6/11/2021</a:t>
             </a:fld>
             <a:endParaRPr lang="en-US"/>
           </a:p>
@@ -2666,7 +2672,7 @@
           <a:p>
             <a:fld id="{9D9A35FA-CCDF-4DC3-878D-D1CC9EF61817}" type="datetimeFigureOut">
               <a:rPr lang="en-US" smtClean="0"/>
-              <a:t>6/10/2021</a:t>
+              <a:t>6/11/2021</a:t>
             </a:fld>
             <a:endParaRPr lang="en-US"/>
           </a:p>
@@ -2907,7 +2913,7 @@
           <a:p>
             <a:fld id="{9D9A35FA-CCDF-4DC3-878D-D1CC9EF61817}" type="datetimeFigureOut">
               <a:rPr lang="en-US" smtClean="0"/>
-              <a:t>6/10/2021</a:t>
+              <a:t>6/11/2021</a:t>
             </a:fld>
             <a:endParaRPr lang="en-US"/>
           </a:p>
@@ -5342,6 +5348,1493 @@
 </p:sld>
 </file>
 
+<file path=ppt/slides/slide5.xml><?xml version="1.0" encoding="utf-8"?>
+<p:sld xmlns:a="http://schemas.openxmlformats.org/drawingml/2006/main" xmlns:r="http://schemas.openxmlformats.org/officeDocument/2006/relationships" xmlns:p="http://schemas.openxmlformats.org/presentationml/2006/main">
+  <p:cSld>
+    <p:spTree>
+      <p:nvGrpSpPr>
+        <p:cNvPr id="1" name=""/>
+        <p:cNvGrpSpPr/>
+        <p:nvPr/>
+      </p:nvGrpSpPr>
+      <p:grpSpPr>
+        <a:xfrm>
+          <a:off x="0" y="0"/>
+          <a:ext cx="0" cy="0"/>
+          <a:chOff x="0" y="0"/>
+          <a:chExt cx="0" cy="0"/>
+        </a:xfrm>
+      </p:grpSpPr>
+      <p:sp>
+        <p:nvSpPr>
+          <p:cNvPr id="2" name="TextBox 1">
+            <a:extLst>
+              <a:ext uri="{FF2B5EF4-FFF2-40B4-BE49-F238E27FC236}">
+                <a16:creationId xmlns:a16="http://schemas.microsoft.com/office/drawing/2014/main" id="{FF361C0F-8D6A-42B0-B218-DA298196404C}"/>
+              </a:ext>
+            </a:extLst>
+          </p:cNvPr>
+          <p:cNvSpPr txBox="1"/>
+          <p:nvPr/>
+        </p:nvSpPr>
+        <p:spPr>
+          <a:xfrm>
+            <a:off x="3260339" y="404459"/>
+            <a:ext cx="2007189" cy="5632311"/>
+          </a:xfrm>
+          <a:prstGeom prst="rect">
+            <a:avLst/>
+          </a:prstGeom>
+          <a:noFill/>
+        </p:spPr>
+        <p:txBody>
+          <a:bodyPr wrap="square" rtlCol="0">
+            <a:spAutoFit/>
+          </a:bodyPr>
+          <a:lstStyle/>
+          <a:p>
+            <a:r>
+              <a:rPr lang="en-US" sz="2000" b="1" dirty="0"/>
+              <a:t>Python</a:t>
+            </a:r>
+          </a:p>
+          <a:p>
+            <a:endParaRPr lang="en-US" sz="2000" dirty="0"/>
+          </a:p>
+          <a:p>
+            <a:r>
+              <a:rPr lang="en-US" sz="2000" dirty="0"/>
+              <a:t>Dictionary</a:t>
+            </a:r>
+          </a:p>
+          <a:p>
+            <a:endParaRPr lang="en-US" sz="2000" dirty="0"/>
+          </a:p>
+          <a:p>
+            <a:r>
+              <a:rPr lang="en-US" sz="2000" dirty="0"/>
+              <a:t>List</a:t>
+            </a:r>
+          </a:p>
+          <a:p>
+            <a:endParaRPr lang="en-US" sz="2000" dirty="0"/>
+          </a:p>
+          <a:p>
+            <a:r>
+              <a:rPr lang="en-US" sz="2000" dirty="0"/>
+              <a:t>Float</a:t>
+            </a:r>
+          </a:p>
+          <a:p>
+            <a:endParaRPr lang="en-US" sz="2000" dirty="0"/>
+          </a:p>
+          <a:p>
+            <a:r>
+              <a:rPr lang="en-US" sz="2000" dirty="0"/>
+              <a:t>Int</a:t>
+            </a:r>
+          </a:p>
+          <a:p>
+            <a:endParaRPr lang="en-US" sz="2000" dirty="0"/>
+          </a:p>
+          <a:p>
+            <a:r>
+              <a:rPr lang="en-US" sz="2000" dirty="0"/>
+              <a:t>String</a:t>
+            </a:r>
+          </a:p>
+          <a:p>
+            <a:endParaRPr lang="en-US" sz="2000" dirty="0"/>
+          </a:p>
+          <a:p>
+            <a:r>
+              <a:rPr lang="en-US" sz="2000" dirty="0"/>
+              <a:t>Tuple</a:t>
+            </a:r>
+          </a:p>
+          <a:p>
+            <a:endParaRPr lang="en-US" sz="2000" dirty="0"/>
+          </a:p>
+          <a:p>
+            <a:r>
+              <a:rPr lang="en-US" sz="2000" dirty="0"/>
+              <a:t>~</a:t>
+            </a:r>
+          </a:p>
+          <a:p>
+            <a:endParaRPr lang="en-US" sz="2000" dirty="0"/>
+          </a:p>
+          <a:p>
+            <a:r>
+              <a:rPr lang="en-US" sz="2000" dirty="0"/>
+              <a:t>~</a:t>
+            </a:r>
+          </a:p>
+          <a:p>
+            <a:endParaRPr lang="en-US" sz="2000" dirty="0"/>
+          </a:p>
+        </p:txBody>
+      </p:sp>
+      <p:sp>
+        <p:nvSpPr>
+          <p:cNvPr id="3" name="TextBox 2">
+            <a:extLst>
+              <a:ext uri="{FF2B5EF4-FFF2-40B4-BE49-F238E27FC236}">
+                <a16:creationId xmlns:a16="http://schemas.microsoft.com/office/drawing/2014/main" id="{ED2E489D-FEE5-4531-9C05-B69C2EB5C74E}"/>
+              </a:ext>
+            </a:extLst>
+          </p:cNvPr>
+          <p:cNvSpPr txBox="1"/>
+          <p:nvPr/>
+        </p:nvSpPr>
+        <p:spPr>
+          <a:xfrm>
+            <a:off x="6700688" y="411705"/>
+            <a:ext cx="2007189" cy="5324535"/>
+          </a:xfrm>
+          <a:prstGeom prst="rect">
+            <a:avLst/>
+          </a:prstGeom>
+          <a:noFill/>
+        </p:spPr>
+        <p:txBody>
+          <a:bodyPr wrap="square" rtlCol="0">
+            <a:spAutoFit/>
+          </a:bodyPr>
+          <a:lstStyle/>
+          <a:p>
+            <a:r>
+              <a:rPr lang="en-US" sz="2000" b="1" dirty="0"/>
+              <a:t>Matlab</a:t>
+            </a:r>
+          </a:p>
+          <a:p>
+            <a:endParaRPr lang="en-US" sz="2000" dirty="0"/>
+          </a:p>
+          <a:p>
+            <a:r>
+              <a:rPr lang="en-US" sz="2000" dirty="0"/>
+              <a:t>Struct</a:t>
+            </a:r>
+          </a:p>
+          <a:p>
+            <a:endParaRPr lang="en-US" sz="2000" dirty="0"/>
+          </a:p>
+          <a:p>
+            <a:r>
+              <a:rPr lang="en-US" sz="2000" dirty="0"/>
+              <a:t>Cell array</a:t>
+            </a:r>
+          </a:p>
+          <a:p>
+            <a:endParaRPr lang="en-US" sz="2000" dirty="0"/>
+          </a:p>
+          <a:p>
+            <a:r>
+              <a:rPr lang="en-US" sz="2000" dirty="0"/>
+              <a:t>Double</a:t>
+            </a:r>
+          </a:p>
+          <a:p>
+            <a:endParaRPr lang="en-US" sz="2000" dirty="0"/>
+          </a:p>
+          <a:p>
+            <a:r>
+              <a:rPr lang="en-US" sz="2000" dirty="0"/>
+              <a:t>Int</a:t>
+            </a:r>
+          </a:p>
+          <a:p>
+            <a:endParaRPr lang="en-US" sz="2000" dirty="0"/>
+          </a:p>
+          <a:p>
+            <a:r>
+              <a:rPr lang="en-US" sz="2000" dirty="0"/>
+              <a:t>String</a:t>
+            </a:r>
+          </a:p>
+          <a:p>
+            <a:endParaRPr lang="en-US" sz="2000" dirty="0"/>
+          </a:p>
+          <a:p>
+            <a:r>
+              <a:rPr lang="en-US" sz="2000" dirty="0"/>
+              <a:t>~</a:t>
+            </a:r>
+          </a:p>
+          <a:p>
+            <a:endParaRPr lang="en-US" sz="2000" dirty="0"/>
+          </a:p>
+          <a:p>
+            <a:r>
+              <a:rPr lang="en-US" sz="2000" dirty="0"/>
+              <a:t>Table</a:t>
+            </a:r>
+          </a:p>
+          <a:p>
+            <a:endParaRPr lang="en-US" sz="2000" dirty="0"/>
+          </a:p>
+          <a:p>
+            <a:r>
+              <a:rPr lang="en-US" sz="2000" dirty="0"/>
+              <a:t>Character</a:t>
+            </a:r>
+          </a:p>
+        </p:txBody>
+      </p:sp>
+      <p:cxnSp>
+        <p:nvCxnSpPr>
+          <p:cNvPr id="5" name="Straight Connector 4">
+            <a:extLst>
+              <a:ext uri="{FF2B5EF4-FFF2-40B4-BE49-F238E27FC236}">
+                <a16:creationId xmlns:a16="http://schemas.microsoft.com/office/drawing/2014/main" id="{7A8F02BF-8406-4030-966D-59AAF3D4B8A8}"/>
+              </a:ext>
+            </a:extLst>
+          </p:cNvPr>
+          <p:cNvCxnSpPr/>
+          <p:nvPr/>
+        </p:nvCxnSpPr>
+        <p:spPr>
+          <a:xfrm>
+            <a:off x="4635230" y="1250003"/>
+            <a:ext cx="2018489" cy="0"/>
+          </a:xfrm>
+          <a:prstGeom prst="line">
+            <a:avLst/>
+          </a:prstGeom>
+          <a:ln w="57150">
+            <a:solidFill>
+              <a:schemeClr val="tx1"/>
+            </a:solidFill>
+          </a:ln>
+        </p:spPr>
+        <p:style>
+          <a:lnRef idx="1">
+            <a:schemeClr val="accent1"/>
+          </a:lnRef>
+          <a:fillRef idx="0">
+            <a:schemeClr val="accent1"/>
+          </a:fillRef>
+          <a:effectRef idx="0">
+            <a:schemeClr val="accent1"/>
+          </a:effectRef>
+          <a:fontRef idx="minor">
+            <a:schemeClr val="tx1"/>
+          </a:fontRef>
+        </p:style>
+      </p:cxnSp>
+      <p:cxnSp>
+        <p:nvCxnSpPr>
+          <p:cNvPr id="6" name="Straight Connector 5">
+            <a:extLst>
+              <a:ext uri="{FF2B5EF4-FFF2-40B4-BE49-F238E27FC236}">
+                <a16:creationId xmlns:a16="http://schemas.microsoft.com/office/drawing/2014/main" id="{88109C9C-80F5-4FA5-8DC8-C4A1B97458B9}"/>
+              </a:ext>
+            </a:extLst>
+          </p:cNvPr>
+          <p:cNvCxnSpPr/>
+          <p:nvPr/>
+        </p:nvCxnSpPr>
+        <p:spPr>
+          <a:xfrm>
+            <a:off x="4597941" y="1815828"/>
+            <a:ext cx="2018489" cy="0"/>
+          </a:xfrm>
+          <a:prstGeom prst="line">
+            <a:avLst/>
+          </a:prstGeom>
+          <a:ln w="57150">
+            <a:solidFill>
+              <a:schemeClr val="tx1"/>
+            </a:solidFill>
+          </a:ln>
+        </p:spPr>
+        <p:style>
+          <a:lnRef idx="1">
+            <a:schemeClr val="accent1"/>
+          </a:lnRef>
+          <a:fillRef idx="0">
+            <a:schemeClr val="accent1"/>
+          </a:fillRef>
+          <a:effectRef idx="0">
+            <a:schemeClr val="accent1"/>
+          </a:effectRef>
+          <a:fontRef idx="minor">
+            <a:schemeClr val="tx1"/>
+          </a:fontRef>
+        </p:style>
+      </p:cxnSp>
+      <p:cxnSp>
+        <p:nvCxnSpPr>
+          <p:cNvPr id="7" name="Straight Connector 6">
+            <a:extLst>
+              <a:ext uri="{FF2B5EF4-FFF2-40B4-BE49-F238E27FC236}">
+                <a16:creationId xmlns:a16="http://schemas.microsoft.com/office/drawing/2014/main" id="{04FC1C55-C537-4D86-B26C-9F49F6A65891}"/>
+              </a:ext>
+            </a:extLst>
+          </p:cNvPr>
+          <p:cNvCxnSpPr/>
+          <p:nvPr/>
+        </p:nvCxnSpPr>
+        <p:spPr>
+          <a:xfrm>
+            <a:off x="4597941" y="2454611"/>
+            <a:ext cx="2018489" cy="0"/>
+          </a:xfrm>
+          <a:prstGeom prst="line">
+            <a:avLst/>
+          </a:prstGeom>
+          <a:ln w="57150">
+            <a:solidFill>
+              <a:schemeClr val="tx1"/>
+            </a:solidFill>
+          </a:ln>
+        </p:spPr>
+        <p:style>
+          <a:lnRef idx="1">
+            <a:schemeClr val="accent1"/>
+          </a:lnRef>
+          <a:fillRef idx="0">
+            <a:schemeClr val="accent1"/>
+          </a:fillRef>
+          <a:effectRef idx="0">
+            <a:schemeClr val="accent1"/>
+          </a:effectRef>
+          <a:fontRef idx="minor">
+            <a:schemeClr val="tx1"/>
+          </a:fontRef>
+        </p:style>
+      </p:cxnSp>
+      <p:cxnSp>
+        <p:nvCxnSpPr>
+          <p:cNvPr id="8" name="Straight Connector 7">
+            <a:extLst>
+              <a:ext uri="{FF2B5EF4-FFF2-40B4-BE49-F238E27FC236}">
+                <a16:creationId xmlns:a16="http://schemas.microsoft.com/office/drawing/2014/main" id="{842DBB2C-2559-487F-80C0-094360A038A8}"/>
+              </a:ext>
+            </a:extLst>
+          </p:cNvPr>
+          <p:cNvCxnSpPr/>
+          <p:nvPr/>
+        </p:nvCxnSpPr>
+        <p:spPr>
+          <a:xfrm>
+            <a:off x="4597941" y="3072317"/>
+            <a:ext cx="2018489" cy="0"/>
+          </a:xfrm>
+          <a:prstGeom prst="line">
+            <a:avLst/>
+          </a:prstGeom>
+          <a:ln w="57150">
+            <a:solidFill>
+              <a:schemeClr val="tx1"/>
+            </a:solidFill>
+          </a:ln>
+        </p:spPr>
+        <p:style>
+          <a:lnRef idx="1">
+            <a:schemeClr val="accent1"/>
+          </a:lnRef>
+          <a:fillRef idx="0">
+            <a:schemeClr val="accent1"/>
+          </a:fillRef>
+          <a:effectRef idx="0">
+            <a:schemeClr val="accent1"/>
+          </a:effectRef>
+          <a:fontRef idx="minor">
+            <a:schemeClr val="tx1"/>
+          </a:fontRef>
+        </p:style>
+      </p:cxnSp>
+      <p:cxnSp>
+        <p:nvCxnSpPr>
+          <p:cNvPr id="9" name="Straight Connector 8">
+            <a:extLst>
+              <a:ext uri="{FF2B5EF4-FFF2-40B4-BE49-F238E27FC236}">
+                <a16:creationId xmlns:a16="http://schemas.microsoft.com/office/drawing/2014/main" id="{B566BFEF-0344-4725-B4A1-EAF3673835F4}"/>
+              </a:ext>
+            </a:extLst>
+          </p:cNvPr>
+          <p:cNvCxnSpPr/>
+          <p:nvPr/>
+        </p:nvCxnSpPr>
+        <p:spPr>
+          <a:xfrm>
+            <a:off x="4597941" y="3685160"/>
+            <a:ext cx="2018489" cy="0"/>
+          </a:xfrm>
+          <a:prstGeom prst="line">
+            <a:avLst/>
+          </a:prstGeom>
+          <a:ln w="57150">
+            <a:solidFill>
+              <a:schemeClr val="tx1"/>
+            </a:solidFill>
+          </a:ln>
+        </p:spPr>
+        <p:style>
+          <a:lnRef idx="1">
+            <a:schemeClr val="accent1"/>
+          </a:lnRef>
+          <a:fillRef idx="0">
+            <a:schemeClr val="accent1"/>
+          </a:fillRef>
+          <a:effectRef idx="0">
+            <a:schemeClr val="accent1"/>
+          </a:effectRef>
+          <a:fontRef idx="minor">
+            <a:schemeClr val="tx1"/>
+          </a:fontRef>
+        </p:style>
+      </p:cxnSp>
+      <p:cxnSp>
+        <p:nvCxnSpPr>
+          <p:cNvPr id="10" name="Straight Connector 9">
+            <a:extLst>
+              <a:ext uri="{FF2B5EF4-FFF2-40B4-BE49-F238E27FC236}">
+                <a16:creationId xmlns:a16="http://schemas.microsoft.com/office/drawing/2014/main" id="{C42E2965-2494-47F9-A2C8-C8D9D1380B9A}"/>
+              </a:ext>
+            </a:extLst>
+          </p:cNvPr>
+          <p:cNvCxnSpPr/>
+          <p:nvPr/>
+        </p:nvCxnSpPr>
+        <p:spPr>
+          <a:xfrm>
+            <a:off x="4597941" y="4273684"/>
+            <a:ext cx="2018489" cy="0"/>
+          </a:xfrm>
+          <a:prstGeom prst="line">
+            <a:avLst/>
+          </a:prstGeom>
+          <a:ln w="57150">
+            <a:solidFill>
+              <a:schemeClr val="tx1"/>
+            </a:solidFill>
+          </a:ln>
+        </p:spPr>
+        <p:style>
+          <a:lnRef idx="1">
+            <a:schemeClr val="accent1"/>
+          </a:lnRef>
+          <a:fillRef idx="0">
+            <a:schemeClr val="accent1"/>
+          </a:fillRef>
+          <a:effectRef idx="0">
+            <a:schemeClr val="accent1"/>
+          </a:effectRef>
+          <a:fontRef idx="minor">
+            <a:schemeClr val="tx1"/>
+          </a:fontRef>
+        </p:style>
+      </p:cxnSp>
+      <p:cxnSp>
+        <p:nvCxnSpPr>
+          <p:cNvPr id="12" name="Straight Connector 11">
+            <a:extLst>
+              <a:ext uri="{FF2B5EF4-FFF2-40B4-BE49-F238E27FC236}">
+                <a16:creationId xmlns:a16="http://schemas.microsoft.com/office/drawing/2014/main" id="{FB67F59C-416E-477F-81BE-735B7A446916}"/>
+              </a:ext>
+            </a:extLst>
+          </p:cNvPr>
+          <p:cNvCxnSpPr/>
+          <p:nvPr/>
+        </p:nvCxnSpPr>
+        <p:spPr>
+          <a:xfrm>
+            <a:off x="4528226" y="4888148"/>
+            <a:ext cx="2018489" cy="0"/>
+          </a:xfrm>
+          <a:prstGeom prst="line">
+            <a:avLst/>
+          </a:prstGeom>
+          <a:ln w="57150">
+            <a:solidFill>
+              <a:schemeClr val="tx1"/>
+            </a:solidFill>
+          </a:ln>
+        </p:spPr>
+        <p:style>
+          <a:lnRef idx="1">
+            <a:schemeClr val="accent1"/>
+          </a:lnRef>
+          <a:fillRef idx="0">
+            <a:schemeClr val="accent1"/>
+          </a:fillRef>
+          <a:effectRef idx="0">
+            <a:schemeClr val="accent1"/>
+          </a:effectRef>
+          <a:fontRef idx="minor">
+            <a:schemeClr val="tx1"/>
+          </a:fontRef>
+        </p:style>
+      </p:cxnSp>
+      <p:cxnSp>
+        <p:nvCxnSpPr>
+          <p:cNvPr id="13" name="Straight Connector 12">
+            <a:extLst>
+              <a:ext uri="{FF2B5EF4-FFF2-40B4-BE49-F238E27FC236}">
+                <a16:creationId xmlns:a16="http://schemas.microsoft.com/office/drawing/2014/main" id="{AD8B246C-3649-4BA8-B2E3-5FEDFC4CD5C3}"/>
+              </a:ext>
+            </a:extLst>
+          </p:cNvPr>
+          <p:cNvCxnSpPr/>
+          <p:nvPr/>
+        </p:nvCxnSpPr>
+        <p:spPr>
+          <a:xfrm>
+            <a:off x="4528226" y="5510718"/>
+            <a:ext cx="2018489" cy="0"/>
+          </a:xfrm>
+          <a:prstGeom prst="line">
+            <a:avLst/>
+          </a:prstGeom>
+          <a:ln w="57150">
+            <a:solidFill>
+              <a:schemeClr val="tx1"/>
+            </a:solidFill>
+          </a:ln>
+        </p:spPr>
+        <p:style>
+          <a:lnRef idx="1">
+            <a:schemeClr val="accent1"/>
+          </a:lnRef>
+          <a:fillRef idx="0">
+            <a:schemeClr val="accent1"/>
+          </a:fillRef>
+          <a:effectRef idx="0">
+            <a:schemeClr val="accent1"/>
+          </a:effectRef>
+          <a:fontRef idx="minor">
+            <a:schemeClr val="tx1"/>
+          </a:fontRef>
+        </p:style>
+      </p:cxnSp>
+    </p:spTree>
+    <p:extLst>
+      <p:ext uri="{BB962C8B-B14F-4D97-AF65-F5344CB8AC3E}">
+        <p14:creationId xmlns:p14="http://schemas.microsoft.com/office/powerpoint/2010/main" val="1843630753"/>
+      </p:ext>
+    </p:extLst>
+  </p:cSld>
+  <p:clrMapOvr>
+    <a:masterClrMapping/>
+  </p:clrMapOvr>
+  <p:timing>
+    <p:tnLst>
+      <p:par>
+        <p:cTn id="1" dur="indefinite" restart="never" nodeType="tmRoot">
+          <p:childTnLst>
+            <p:seq concurrent="1" nextAc="seek">
+              <p:cTn id="2" dur="indefinite" nodeType="mainSeq">
+                <p:childTnLst>
+                  <p:par>
+                    <p:cTn id="3" fill="hold">
+                      <p:stCondLst>
+                        <p:cond delay="indefinite"/>
+                      </p:stCondLst>
+                      <p:childTnLst>
+                        <p:par>
+                          <p:cTn id="4" fill="hold">
+                            <p:stCondLst>
+                              <p:cond delay="0"/>
+                            </p:stCondLst>
+                            <p:childTnLst>
+                              <p:par>
+                                <p:cTn id="5" presetID="1" presetClass="entr" presetSubtype="0" fill="hold" nodeType="clickEffect">
+                                  <p:stCondLst>
+                                    <p:cond delay="0"/>
+                                  </p:stCondLst>
+                                  <p:childTnLst>
+                                    <p:set>
+                                      <p:cBhvr>
+                                        <p:cTn id="6" dur="1" fill="hold">
+                                          <p:stCondLst>
+                                            <p:cond delay="0"/>
+                                          </p:stCondLst>
+                                        </p:cTn>
+                                        <p:tgtEl>
+                                          <p:spTgt spid="2">
+                                            <p:txEl>
+                                              <p:pRg st="0" end="0"/>
+                                            </p:txEl>
+                                          </p:spTgt>
+                                        </p:tgtEl>
+                                        <p:attrNameLst>
+                                          <p:attrName>style.visibility</p:attrName>
+                                        </p:attrNameLst>
+                                      </p:cBhvr>
+                                      <p:to>
+                                        <p:strVal val="visible"/>
+                                      </p:to>
+                                    </p:set>
+                                  </p:childTnLst>
+                                </p:cTn>
+                              </p:par>
+                            </p:childTnLst>
+                          </p:cTn>
+                        </p:par>
+                      </p:childTnLst>
+                    </p:cTn>
+                  </p:par>
+                  <p:par>
+                    <p:cTn id="7" fill="hold">
+                      <p:stCondLst>
+                        <p:cond delay="indefinite"/>
+                      </p:stCondLst>
+                      <p:childTnLst>
+                        <p:par>
+                          <p:cTn id="8" fill="hold">
+                            <p:stCondLst>
+                              <p:cond delay="0"/>
+                            </p:stCondLst>
+                            <p:childTnLst>
+                              <p:par>
+                                <p:cTn id="9" presetID="1" presetClass="entr" presetSubtype="0" fill="hold" nodeType="clickEffect">
+                                  <p:stCondLst>
+                                    <p:cond delay="0"/>
+                                  </p:stCondLst>
+                                  <p:childTnLst>
+                                    <p:set>
+                                      <p:cBhvr>
+                                        <p:cTn id="10" dur="1" fill="hold">
+                                          <p:stCondLst>
+                                            <p:cond delay="0"/>
+                                          </p:stCondLst>
+                                        </p:cTn>
+                                        <p:tgtEl>
+                                          <p:spTgt spid="2">
+                                            <p:txEl>
+                                              <p:pRg st="2" end="2"/>
+                                            </p:txEl>
+                                          </p:spTgt>
+                                        </p:tgtEl>
+                                        <p:attrNameLst>
+                                          <p:attrName>style.visibility</p:attrName>
+                                        </p:attrNameLst>
+                                      </p:cBhvr>
+                                      <p:to>
+                                        <p:strVal val="visible"/>
+                                      </p:to>
+                                    </p:set>
+                                  </p:childTnLst>
+                                </p:cTn>
+                              </p:par>
+                            </p:childTnLst>
+                          </p:cTn>
+                        </p:par>
+                      </p:childTnLst>
+                    </p:cTn>
+                  </p:par>
+                  <p:par>
+                    <p:cTn id="11" fill="hold">
+                      <p:stCondLst>
+                        <p:cond delay="indefinite"/>
+                      </p:stCondLst>
+                      <p:childTnLst>
+                        <p:par>
+                          <p:cTn id="12" fill="hold">
+                            <p:stCondLst>
+                              <p:cond delay="0"/>
+                            </p:stCondLst>
+                            <p:childTnLst>
+                              <p:par>
+                                <p:cTn id="13" presetID="1" presetClass="entr" presetSubtype="0" fill="hold" nodeType="clickEffect">
+                                  <p:stCondLst>
+                                    <p:cond delay="0"/>
+                                  </p:stCondLst>
+                                  <p:childTnLst>
+                                    <p:set>
+                                      <p:cBhvr>
+                                        <p:cTn id="14" dur="1" fill="hold">
+                                          <p:stCondLst>
+                                            <p:cond delay="0"/>
+                                          </p:stCondLst>
+                                        </p:cTn>
+                                        <p:tgtEl>
+                                          <p:spTgt spid="2">
+                                            <p:txEl>
+                                              <p:pRg st="4" end="4"/>
+                                            </p:txEl>
+                                          </p:spTgt>
+                                        </p:tgtEl>
+                                        <p:attrNameLst>
+                                          <p:attrName>style.visibility</p:attrName>
+                                        </p:attrNameLst>
+                                      </p:cBhvr>
+                                      <p:to>
+                                        <p:strVal val="visible"/>
+                                      </p:to>
+                                    </p:set>
+                                  </p:childTnLst>
+                                </p:cTn>
+                              </p:par>
+                            </p:childTnLst>
+                          </p:cTn>
+                        </p:par>
+                      </p:childTnLst>
+                    </p:cTn>
+                  </p:par>
+                  <p:par>
+                    <p:cTn id="15" fill="hold">
+                      <p:stCondLst>
+                        <p:cond delay="indefinite"/>
+                      </p:stCondLst>
+                      <p:childTnLst>
+                        <p:par>
+                          <p:cTn id="16" fill="hold">
+                            <p:stCondLst>
+                              <p:cond delay="0"/>
+                            </p:stCondLst>
+                            <p:childTnLst>
+                              <p:par>
+                                <p:cTn id="17" presetID="1" presetClass="entr" presetSubtype="0" fill="hold" nodeType="clickEffect">
+                                  <p:stCondLst>
+                                    <p:cond delay="0"/>
+                                  </p:stCondLst>
+                                  <p:childTnLst>
+                                    <p:set>
+                                      <p:cBhvr>
+                                        <p:cTn id="18" dur="1" fill="hold">
+                                          <p:stCondLst>
+                                            <p:cond delay="0"/>
+                                          </p:stCondLst>
+                                        </p:cTn>
+                                        <p:tgtEl>
+                                          <p:spTgt spid="2">
+                                            <p:txEl>
+                                              <p:pRg st="6" end="6"/>
+                                            </p:txEl>
+                                          </p:spTgt>
+                                        </p:tgtEl>
+                                        <p:attrNameLst>
+                                          <p:attrName>style.visibility</p:attrName>
+                                        </p:attrNameLst>
+                                      </p:cBhvr>
+                                      <p:to>
+                                        <p:strVal val="visible"/>
+                                      </p:to>
+                                    </p:set>
+                                  </p:childTnLst>
+                                </p:cTn>
+                              </p:par>
+                            </p:childTnLst>
+                          </p:cTn>
+                        </p:par>
+                      </p:childTnLst>
+                    </p:cTn>
+                  </p:par>
+                  <p:par>
+                    <p:cTn id="19" fill="hold">
+                      <p:stCondLst>
+                        <p:cond delay="indefinite"/>
+                      </p:stCondLst>
+                      <p:childTnLst>
+                        <p:par>
+                          <p:cTn id="20" fill="hold">
+                            <p:stCondLst>
+                              <p:cond delay="0"/>
+                            </p:stCondLst>
+                            <p:childTnLst>
+                              <p:par>
+                                <p:cTn id="21" presetID="1" presetClass="entr" presetSubtype="0" fill="hold" nodeType="clickEffect">
+                                  <p:stCondLst>
+                                    <p:cond delay="0"/>
+                                  </p:stCondLst>
+                                  <p:childTnLst>
+                                    <p:set>
+                                      <p:cBhvr>
+                                        <p:cTn id="22" dur="1" fill="hold">
+                                          <p:stCondLst>
+                                            <p:cond delay="0"/>
+                                          </p:stCondLst>
+                                        </p:cTn>
+                                        <p:tgtEl>
+                                          <p:spTgt spid="2">
+                                            <p:txEl>
+                                              <p:pRg st="8" end="8"/>
+                                            </p:txEl>
+                                          </p:spTgt>
+                                        </p:tgtEl>
+                                        <p:attrNameLst>
+                                          <p:attrName>style.visibility</p:attrName>
+                                        </p:attrNameLst>
+                                      </p:cBhvr>
+                                      <p:to>
+                                        <p:strVal val="visible"/>
+                                      </p:to>
+                                    </p:set>
+                                  </p:childTnLst>
+                                </p:cTn>
+                              </p:par>
+                            </p:childTnLst>
+                          </p:cTn>
+                        </p:par>
+                      </p:childTnLst>
+                    </p:cTn>
+                  </p:par>
+                  <p:par>
+                    <p:cTn id="23" fill="hold">
+                      <p:stCondLst>
+                        <p:cond delay="indefinite"/>
+                      </p:stCondLst>
+                      <p:childTnLst>
+                        <p:par>
+                          <p:cTn id="24" fill="hold">
+                            <p:stCondLst>
+                              <p:cond delay="0"/>
+                            </p:stCondLst>
+                            <p:childTnLst>
+                              <p:par>
+                                <p:cTn id="25" presetID="1" presetClass="entr" presetSubtype="0" fill="hold" nodeType="clickEffect">
+                                  <p:stCondLst>
+                                    <p:cond delay="0"/>
+                                  </p:stCondLst>
+                                  <p:childTnLst>
+                                    <p:set>
+                                      <p:cBhvr>
+                                        <p:cTn id="26" dur="1" fill="hold">
+                                          <p:stCondLst>
+                                            <p:cond delay="0"/>
+                                          </p:stCondLst>
+                                        </p:cTn>
+                                        <p:tgtEl>
+                                          <p:spTgt spid="2">
+                                            <p:txEl>
+                                              <p:pRg st="10" end="10"/>
+                                            </p:txEl>
+                                          </p:spTgt>
+                                        </p:tgtEl>
+                                        <p:attrNameLst>
+                                          <p:attrName>style.visibility</p:attrName>
+                                        </p:attrNameLst>
+                                      </p:cBhvr>
+                                      <p:to>
+                                        <p:strVal val="visible"/>
+                                      </p:to>
+                                    </p:set>
+                                  </p:childTnLst>
+                                </p:cTn>
+                              </p:par>
+                            </p:childTnLst>
+                          </p:cTn>
+                        </p:par>
+                      </p:childTnLst>
+                    </p:cTn>
+                  </p:par>
+                  <p:par>
+                    <p:cTn id="27" fill="hold">
+                      <p:stCondLst>
+                        <p:cond delay="indefinite"/>
+                      </p:stCondLst>
+                      <p:childTnLst>
+                        <p:par>
+                          <p:cTn id="28" fill="hold">
+                            <p:stCondLst>
+                              <p:cond delay="0"/>
+                            </p:stCondLst>
+                            <p:childTnLst>
+                              <p:par>
+                                <p:cTn id="29" presetID="1" presetClass="entr" presetSubtype="0" fill="hold" nodeType="clickEffect">
+                                  <p:stCondLst>
+                                    <p:cond delay="0"/>
+                                  </p:stCondLst>
+                                  <p:childTnLst>
+                                    <p:set>
+                                      <p:cBhvr>
+                                        <p:cTn id="30" dur="1" fill="hold">
+                                          <p:stCondLst>
+                                            <p:cond delay="0"/>
+                                          </p:stCondLst>
+                                        </p:cTn>
+                                        <p:tgtEl>
+                                          <p:spTgt spid="2">
+                                            <p:txEl>
+                                              <p:pRg st="12" end="12"/>
+                                            </p:txEl>
+                                          </p:spTgt>
+                                        </p:tgtEl>
+                                        <p:attrNameLst>
+                                          <p:attrName>style.visibility</p:attrName>
+                                        </p:attrNameLst>
+                                      </p:cBhvr>
+                                      <p:to>
+                                        <p:strVal val="visible"/>
+                                      </p:to>
+                                    </p:set>
+                                  </p:childTnLst>
+                                </p:cTn>
+                              </p:par>
+                            </p:childTnLst>
+                          </p:cTn>
+                        </p:par>
+                      </p:childTnLst>
+                    </p:cTn>
+                  </p:par>
+                  <p:par>
+                    <p:cTn id="31" fill="hold">
+                      <p:stCondLst>
+                        <p:cond delay="indefinite"/>
+                      </p:stCondLst>
+                      <p:childTnLst>
+                        <p:par>
+                          <p:cTn id="32" fill="hold">
+                            <p:stCondLst>
+                              <p:cond delay="0"/>
+                            </p:stCondLst>
+                            <p:childTnLst>
+                              <p:par>
+                                <p:cTn id="33" presetID="1" presetClass="entr" presetSubtype="0" fill="hold" nodeType="clickEffect">
+                                  <p:stCondLst>
+                                    <p:cond delay="0"/>
+                                  </p:stCondLst>
+                                  <p:childTnLst>
+                                    <p:set>
+                                      <p:cBhvr>
+                                        <p:cTn id="34" dur="1" fill="hold">
+                                          <p:stCondLst>
+                                            <p:cond delay="0"/>
+                                          </p:stCondLst>
+                                        </p:cTn>
+                                        <p:tgtEl>
+                                          <p:spTgt spid="2">
+                                            <p:txEl>
+                                              <p:pRg st="14" end="14"/>
+                                            </p:txEl>
+                                          </p:spTgt>
+                                        </p:tgtEl>
+                                        <p:attrNameLst>
+                                          <p:attrName>style.visibility</p:attrName>
+                                        </p:attrNameLst>
+                                      </p:cBhvr>
+                                      <p:to>
+                                        <p:strVal val="visible"/>
+                                      </p:to>
+                                    </p:set>
+                                  </p:childTnLst>
+                                </p:cTn>
+                              </p:par>
+                            </p:childTnLst>
+                          </p:cTn>
+                        </p:par>
+                      </p:childTnLst>
+                    </p:cTn>
+                  </p:par>
+                  <p:par>
+                    <p:cTn id="35" fill="hold">
+                      <p:stCondLst>
+                        <p:cond delay="indefinite"/>
+                      </p:stCondLst>
+                      <p:childTnLst>
+                        <p:par>
+                          <p:cTn id="36" fill="hold">
+                            <p:stCondLst>
+                              <p:cond delay="0"/>
+                            </p:stCondLst>
+                            <p:childTnLst>
+                              <p:par>
+                                <p:cTn id="37" presetID="1" presetClass="entr" presetSubtype="0" fill="hold" nodeType="clickEffect">
+                                  <p:stCondLst>
+                                    <p:cond delay="0"/>
+                                  </p:stCondLst>
+                                  <p:childTnLst>
+                                    <p:set>
+                                      <p:cBhvr>
+                                        <p:cTn id="38" dur="1" fill="hold">
+                                          <p:stCondLst>
+                                            <p:cond delay="0"/>
+                                          </p:stCondLst>
+                                        </p:cTn>
+                                        <p:tgtEl>
+                                          <p:spTgt spid="2">
+                                            <p:txEl>
+                                              <p:pRg st="16" end="16"/>
+                                            </p:txEl>
+                                          </p:spTgt>
+                                        </p:tgtEl>
+                                        <p:attrNameLst>
+                                          <p:attrName>style.visibility</p:attrName>
+                                        </p:attrNameLst>
+                                      </p:cBhvr>
+                                      <p:to>
+                                        <p:strVal val="visible"/>
+                                      </p:to>
+                                    </p:set>
+                                  </p:childTnLst>
+                                </p:cTn>
+                              </p:par>
+                            </p:childTnLst>
+                          </p:cTn>
+                        </p:par>
+                      </p:childTnLst>
+                    </p:cTn>
+                  </p:par>
+                  <p:par>
+                    <p:cTn id="39" fill="hold">
+                      <p:stCondLst>
+                        <p:cond delay="indefinite"/>
+                      </p:stCondLst>
+                      <p:childTnLst>
+                        <p:par>
+                          <p:cTn id="40" fill="hold">
+                            <p:stCondLst>
+                              <p:cond delay="0"/>
+                            </p:stCondLst>
+                            <p:childTnLst>
+                              <p:par>
+                                <p:cTn id="41" presetID="1" presetClass="entr" presetSubtype="0" fill="hold" nodeType="clickEffect">
+                                  <p:stCondLst>
+                                    <p:cond delay="0"/>
+                                  </p:stCondLst>
+                                  <p:childTnLst>
+                                    <p:set>
+                                      <p:cBhvr>
+                                        <p:cTn id="42" dur="1" fill="hold">
+                                          <p:stCondLst>
+                                            <p:cond delay="0"/>
+                                          </p:stCondLst>
+                                        </p:cTn>
+                                        <p:tgtEl>
+                                          <p:spTgt spid="3">
+                                            <p:txEl>
+                                              <p:pRg st="0" end="0"/>
+                                            </p:txEl>
+                                          </p:spTgt>
+                                        </p:tgtEl>
+                                        <p:attrNameLst>
+                                          <p:attrName>style.visibility</p:attrName>
+                                        </p:attrNameLst>
+                                      </p:cBhvr>
+                                      <p:to>
+                                        <p:strVal val="visible"/>
+                                      </p:to>
+                                    </p:set>
+                                  </p:childTnLst>
+                                </p:cTn>
+                              </p:par>
+                            </p:childTnLst>
+                          </p:cTn>
+                        </p:par>
+                      </p:childTnLst>
+                    </p:cTn>
+                  </p:par>
+                  <p:par>
+                    <p:cTn id="43" fill="hold">
+                      <p:stCondLst>
+                        <p:cond delay="indefinite"/>
+                      </p:stCondLst>
+                      <p:childTnLst>
+                        <p:par>
+                          <p:cTn id="44" fill="hold">
+                            <p:stCondLst>
+                              <p:cond delay="0"/>
+                            </p:stCondLst>
+                            <p:childTnLst>
+                              <p:par>
+                                <p:cTn id="45" presetID="1" presetClass="entr" presetSubtype="0" fill="hold" nodeType="clickEffect">
+                                  <p:stCondLst>
+                                    <p:cond delay="0"/>
+                                  </p:stCondLst>
+                                  <p:childTnLst>
+                                    <p:set>
+                                      <p:cBhvr>
+                                        <p:cTn id="46" dur="1" fill="hold">
+                                          <p:stCondLst>
+                                            <p:cond delay="0"/>
+                                          </p:stCondLst>
+                                        </p:cTn>
+                                        <p:tgtEl>
+                                          <p:spTgt spid="3">
+                                            <p:txEl>
+                                              <p:pRg st="2" end="2"/>
+                                            </p:txEl>
+                                          </p:spTgt>
+                                        </p:tgtEl>
+                                        <p:attrNameLst>
+                                          <p:attrName>style.visibility</p:attrName>
+                                        </p:attrNameLst>
+                                      </p:cBhvr>
+                                      <p:to>
+                                        <p:strVal val="visible"/>
+                                      </p:to>
+                                    </p:set>
+                                  </p:childTnLst>
+                                </p:cTn>
+                              </p:par>
+                            </p:childTnLst>
+                          </p:cTn>
+                        </p:par>
+                      </p:childTnLst>
+                    </p:cTn>
+                  </p:par>
+                  <p:par>
+                    <p:cTn id="47" fill="hold">
+                      <p:stCondLst>
+                        <p:cond delay="indefinite"/>
+                      </p:stCondLst>
+                      <p:childTnLst>
+                        <p:par>
+                          <p:cTn id="48" fill="hold">
+                            <p:stCondLst>
+                              <p:cond delay="0"/>
+                            </p:stCondLst>
+                            <p:childTnLst>
+                              <p:par>
+                                <p:cTn id="49" presetID="1" presetClass="entr" presetSubtype="0" fill="hold" nodeType="clickEffect">
+                                  <p:stCondLst>
+                                    <p:cond delay="0"/>
+                                  </p:stCondLst>
+                                  <p:childTnLst>
+                                    <p:set>
+                                      <p:cBhvr>
+                                        <p:cTn id="50" dur="1" fill="hold">
+                                          <p:stCondLst>
+                                            <p:cond delay="0"/>
+                                          </p:stCondLst>
+                                        </p:cTn>
+                                        <p:tgtEl>
+                                          <p:spTgt spid="3">
+                                            <p:txEl>
+                                              <p:pRg st="4" end="4"/>
+                                            </p:txEl>
+                                          </p:spTgt>
+                                        </p:tgtEl>
+                                        <p:attrNameLst>
+                                          <p:attrName>style.visibility</p:attrName>
+                                        </p:attrNameLst>
+                                      </p:cBhvr>
+                                      <p:to>
+                                        <p:strVal val="visible"/>
+                                      </p:to>
+                                    </p:set>
+                                  </p:childTnLst>
+                                </p:cTn>
+                              </p:par>
+                            </p:childTnLst>
+                          </p:cTn>
+                        </p:par>
+                      </p:childTnLst>
+                    </p:cTn>
+                  </p:par>
+                  <p:par>
+                    <p:cTn id="51" fill="hold">
+                      <p:stCondLst>
+                        <p:cond delay="indefinite"/>
+                      </p:stCondLst>
+                      <p:childTnLst>
+                        <p:par>
+                          <p:cTn id="52" fill="hold">
+                            <p:stCondLst>
+                              <p:cond delay="0"/>
+                            </p:stCondLst>
+                            <p:childTnLst>
+                              <p:par>
+                                <p:cTn id="53" presetID="1" presetClass="entr" presetSubtype="0" fill="hold" nodeType="clickEffect">
+                                  <p:stCondLst>
+                                    <p:cond delay="0"/>
+                                  </p:stCondLst>
+                                  <p:childTnLst>
+                                    <p:set>
+                                      <p:cBhvr>
+                                        <p:cTn id="54" dur="1" fill="hold">
+                                          <p:stCondLst>
+                                            <p:cond delay="0"/>
+                                          </p:stCondLst>
+                                        </p:cTn>
+                                        <p:tgtEl>
+                                          <p:spTgt spid="3">
+                                            <p:txEl>
+                                              <p:pRg st="6" end="6"/>
+                                            </p:txEl>
+                                          </p:spTgt>
+                                        </p:tgtEl>
+                                        <p:attrNameLst>
+                                          <p:attrName>style.visibility</p:attrName>
+                                        </p:attrNameLst>
+                                      </p:cBhvr>
+                                      <p:to>
+                                        <p:strVal val="visible"/>
+                                      </p:to>
+                                    </p:set>
+                                  </p:childTnLst>
+                                </p:cTn>
+                              </p:par>
+                            </p:childTnLst>
+                          </p:cTn>
+                        </p:par>
+                      </p:childTnLst>
+                    </p:cTn>
+                  </p:par>
+                  <p:par>
+                    <p:cTn id="55" fill="hold">
+                      <p:stCondLst>
+                        <p:cond delay="indefinite"/>
+                      </p:stCondLst>
+                      <p:childTnLst>
+                        <p:par>
+                          <p:cTn id="56" fill="hold">
+                            <p:stCondLst>
+                              <p:cond delay="0"/>
+                            </p:stCondLst>
+                            <p:childTnLst>
+                              <p:par>
+                                <p:cTn id="57" presetID="1" presetClass="entr" presetSubtype="0" fill="hold" nodeType="clickEffect">
+                                  <p:stCondLst>
+                                    <p:cond delay="0"/>
+                                  </p:stCondLst>
+                                  <p:childTnLst>
+                                    <p:set>
+                                      <p:cBhvr>
+                                        <p:cTn id="58" dur="1" fill="hold">
+                                          <p:stCondLst>
+                                            <p:cond delay="0"/>
+                                          </p:stCondLst>
+                                        </p:cTn>
+                                        <p:tgtEl>
+                                          <p:spTgt spid="3">
+                                            <p:txEl>
+                                              <p:pRg st="8" end="8"/>
+                                            </p:txEl>
+                                          </p:spTgt>
+                                        </p:tgtEl>
+                                        <p:attrNameLst>
+                                          <p:attrName>style.visibility</p:attrName>
+                                        </p:attrNameLst>
+                                      </p:cBhvr>
+                                      <p:to>
+                                        <p:strVal val="visible"/>
+                                      </p:to>
+                                    </p:set>
+                                  </p:childTnLst>
+                                </p:cTn>
+                              </p:par>
+                            </p:childTnLst>
+                          </p:cTn>
+                        </p:par>
+                      </p:childTnLst>
+                    </p:cTn>
+                  </p:par>
+                  <p:par>
+                    <p:cTn id="59" fill="hold">
+                      <p:stCondLst>
+                        <p:cond delay="indefinite"/>
+                      </p:stCondLst>
+                      <p:childTnLst>
+                        <p:par>
+                          <p:cTn id="60" fill="hold">
+                            <p:stCondLst>
+                              <p:cond delay="0"/>
+                            </p:stCondLst>
+                            <p:childTnLst>
+                              <p:par>
+                                <p:cTn id="61" presetID="1" presetClass="entr" presetSubtype="0" fill="hold" nodeType="clickEffect">
+                                  <p:stCondLst>
+                                    <p:cond delay="0"/>
+                                  </p:stCondLst>
+                                  <p:childTnLst>
+                                    <p:set>
+                                      <p:cBhvr>
+                                        <p:cTn id="62" dur="1" fill="hold">
+                                          <p:stCondLst>
+                                            <p:cond delay="0"/>
+                                          </p:stCondLst>
+                                        </p:cTn>
+                                        <p:tgtEl>
+                                          <p:spTgt spid="3">
+                                            <p:txEl>
+                                              <p:pRg st="10" end="10"/>
+                                            </p:txEl>
+                                          </p:spTgt>
+                                        </p:tgtEl>
+                                        <p:attrNameLst>
+                                          <p:attrName>style.visibility</p:attrName>
+                                        </p:attrNameLst>
+                                      </p:cBhvr>
+                                      <p:to>
+                                        <p:strVal val="visible"/>
+                                      </p:to>
+                                    </p:set>
+                                  </p:childTnLst>
+                                </p:cTn>
+                              </p:par>
+                            </p:childTnLst>
+                          </p:cTn>
+                        </p:par>
+                      </p:childTnLst>
+                    </p:cTn>
+                  </p:par>
+                  <p:par>
+                    <p:cTn id="63" fill="hold">
+                      <p:stCondLst>
+                        <p:cond delay="indefinite"/>
+                      </p:stCondLst>
+                      <p:childTnLst>
+                        <p:par>
+                          <p:cTn id="64" fill="hold">
+                            <p:stCondLst>
+                              <p:cond delay="0"/>
+                            </p:stCondLst>
+                            <p:childTnLst>
+                              <p:par>
+                                <p:cTn id="65" presetID="1" presetClass="entr" presetSubtype="0" fill="hold" nodeType="clickEffect">
+                                  <p:stCondLst>
+                                    <p:cond delay="0"/>
+                                  </p:stCondLst>
+                                  <p:childTnLst>
+                                    <p:set>
+                                      <p:cBhvr>
+                                        <p:cTn id="66" dur="1" fill="hold">
+                                          <p:stCondLst>
+                                            <p:cond delay="0"/>
+                                          </p:stCondLst>
+                                        </p:cTn>
+                                        <p:tgtEl>
+                                          <p:spTgt spid="3">
+                                            <p:txEl>
+                                              <p:pRg st="12" end="12"/>
+                                            </p:txEl>
+                                          </p:spTgt>
+                                        </p:tgtEl>
+                                        <p:attrNameLst>
+                                          <p:attrName>style.visibility</p:attrName>
+                                        </p:attrNameLst>
+                                      </p:cBhvr>
+                                      <p:to>
+                                        <p:strVal val="visible"/>
+                                      </p:to>
+                                    </p:set>
+                                  </p:childTnLst>
+                                </p:cTn>
+                              </p:par>
+                            </p:childTnLst>
+                          </p:cTn>
+                        </p:par>
+                      </p:childTnLst>
+                    </p:cTn>
+                  </p:par>
+                  <p:par>
+                    <p:cTn id="67" fill="hold">
+                      <p:stCondLst>
+                        <p:cond delay="indefinite"/>
+                      </p:stCondLst>
+                      <p:childTnLst>
+                        <p:par>
+                          <p:cTn id="68" fill="hold">
+                            <p:stCondLst>
+                              <p:cond delay="0"/>
+                            </p:stCondLst>
+                            <p:childTnLst>
+                              <p:par>
+                                <p:cTn id="69" presetID="1" presetClass="entr" presetSubtype="0" fill="hold" nodeType="clickEffect">
+                                  <p:stCondLst>
+                                    <p:cond delay="0"/>
+                                  </p:stCondLst>
+                                  <p:childTnLst>
+                                    <p:set>
+                                      <p:cBhvr>
+                                        <p:cTn id="70" dur="1" fill="hold">
+                                          <p:stCondLst>
+                                            <p:cond delay="0"/>
+                                          </p:stCondLst>
+                                        </p:cTn>
+                                        <p:tgtEl>
+                                          <p:spTgt spid="3">
+                                            <p:txEl>
+                                              <p:pRg st="14" end="14"/>
+                                            </p:txEl>
+                                          </p:spTgt>
+                                        </p:tgtEl>
+                                        <p:attrNameLst>
+                                          <p:attrName>style.visibility</p:attrName>
+                                        </p:attrNameLst>
+                                      </p:cBhvr>
+                                      <p:to>
+                                        <p:strVal val="visible"/>
+                                      </p:to>
+                                    </p:set>
+                                  </p:childTnLst>
+                                </p:cTn>
+                              </p:par>
+                            </p:childTnLst>
+                          </p:cTn>
+                        </p:par>
+                      </p:childTnLst>
+                    </p:cTn>
+                  </p:par>
+                  <p:par>
+                    <p:cTn id="71" fill="hold">
+                      <p:stCondLst>
+                        <p:cond delay="indefinite"/>
+                      </p:stCondLst>
+                      <p:childTnLst>
+                        <p:par>
+                          <p:cTn id="72" fill="hold">
+                            <p:stCondLst>
+                              <p:cond delay="0"/>
+                            </p:stCondLst>
+                            <p:childTnLst>
+                              <p:par>
+                                <p:cTn id="73" presetID="1" presetClass="entr" presetSubtype="0" fill="hold" nodeType="clickEffect">
+                                  <p:stCondLst>
+                                    <p:cond delay="0"/>
+                                  </p:stCondLst>
+                                  <p:childTnLst>
+                                    <p:set>
+                                      <p:cBhvr>
+                                        <p:cTn id="74" dur="1" fill="hold">
+                                          <p:stCondLst>
+                                            <p:cond delay="0"/>
+                                          </p:stCondLst>
+                                        </p:cTn>
+                                        <p:tgtEl>
+                                          <p:spTgt spid="3">
+                                            <p:txEl>
+                                              <p:pRg st="16" end="16"/>
+                                            </p:txEl>
+                                          </p:spTgt>
+                                        </p:tgtEl>
+                                        <p:attrNameLst>
+                                          <p:attrName>style.visibility</p:attrName>
+                                        </p:attrNameLst>
+                                      </p:cBhvr>
+                                      <p:to>
+                                        <p:strVal val="visible"/>
+                                      </p:to>
+                                    </p:set>
+                                  </p:childTnLst>
+                                </p:cTn>
+                              </p:par>
+                            </p:childTnLst>
+                          </p:cTn>
+                        </p:par>
+                      </p:childTnLst>
+                    </p:cTn>
+                  </p:par>
+                </p:childTnLst>
+              </p:cTn>
+              <p:prevCondLst>
+                <p:cond evt="onPrev" delay="0">
+                  <p:tgtEl>
+                    <p:sldTgt/>
+                  </p:tgtEl>
+                </p:cond>
+              </p:prevCondLst>
+              <p:nextCondLst>
+                <p:cond evt="onNext" delay="0">
+                  <p:tgtEl>
+                    <p:sldTgt/>
+                  </p:tgtEl>
+                </p:cond>
+              </p:nextCondLst>
+            </p:seq>
+          </p:childTnLst>
+        </p:cTn>
+      </p:par>
+    </p:tnLst>
+  </p:timing>
+</p:sld>
+</file>
+
 <file path=ppt/theme/theme1.xml><?xml version="1.0" encoding="utf-8"?>
 <a:theme xmlns:a="http://schemas.openxmlformats.org/drawingml/2006/main" name="Office Theme">
   <a:themeElements>
